--- a/311_Service_Requests_Presentation.pptx
+++ b/311_Service_Requests_Presentation.pptx
@@ -252,7 +252,7 @@
           <a:p>
             <a:fld id="{03AB2F5F-49ED-40E3-A1A5-941FF8279870}" type="datetimeFigureOut">
               <a:rPr lang="en-US" smtClean="0"/>
-              <a:t>2/8/2024</a:t>
+              <a:t>2/9/2024</a:t>
             </a:fld>
             <a:endParaRPr lang="en-US" dirty="0"/>
           </a:p>
@@ -429,7 +429,7 @@
           <a:p>
             <a:fld id="{6C2C1060-699B-414A-8D16-7630F8BDD05E}" type="datetimeFigureOut">
               <a:rPr lang="en-US" smtClean="0"/>
-              <a:t>2/8/2024</a:t>
+              <a:t>2/9/2024</a:t>
             </a:fld>
             <a:endParaRPr lang="en-US" dirty="0"/>
           </a:p>
@@ -9872,35 +9872,6 @@
           </a:p>
         </p:txBody>
       </p:sp>
-      <p:pic>
-        <p:nvPicPr>
-          <p:cNvPr id="9" name="Picture 8" descr="A screenshot of a computer&#10;&#10;Description automatically generated">
-            <a:extLst>
-              <a:ext uri="{FF2B5EF4-FFF2-40B4-BE49-F238E27FC236}">
-                <a16:creationId xmlns:a16="http://schemas.microsoft.com/office/drawing/2014/main" id="{9F01FC42-ED10-FB7C-3A1B-3B19673527DA}"/>
-              </a:ext>
-            </a:extLst>
-          </p:cNvPr>
-          <p:cNvPicPr>
-            <a:picLocks noChangeAspect="1"/>
-          </p:cNvPicPr>
-          <p:nvPr/>
-        </p:nvPicPr>
-        <p:blipFill rotWithShape="1">
-          <a:blip r:embed="rId3"/>
-          <a:srcRect r="336" b="828"/>
-          <a:stretch/>
-        </p:blipFill>
-        <p:spPr>
-          <a:xfrm>
-            <a:off x="1648239" y="586534"/>
-            <a:ext cx="8895522" cy="5001168"/>
-          </a:xfrm>
-          <a:prstGeom prst="rect">
-            <a:avLst/>
-          </a:prstGeom>
-        </p:spPr>
-      </p:pic>
       <p:sp>
         <p:nvSpPr>
           <p:cNvPr id="2" name="TextBox 1">
@@ -9946,6 +9917,53 @@
           </a:p>
         </p:txBody>
       </p:sp>
+      <p:pic>
+        <p:nvPicPr>
+          <p:cNvPr id="1026" name="Picture 2" descr="A Power BI report. A menu of button down the left column of the page, with the rest of the space take up by multiple charts showing the breakdown of 311 service requests across ward, request type, and agency responsible for the request.">
+            <a:extLst>
+              <a:ext uri="{FF2B5EF4-FFF2-40B4-BE49-F238E27FC236}">
+                <a16:creationId xmlns:a16="http://schemas.microsoft.com/office/drawing/2014/main" id="{E6901288-CB35-6C9A-24EC-DC7A9613CCA3}"/>
+              </a:ext>
+            </a:extLst>
+          </p:cNvPr>
+          <p:cNvPicPr>
+            <a:picLocks noChangeAspect="1" noChangeArrowheads="1"/>
+          </p:cNvPicPr>
+          <p:nvPr/>
+        </p:nvPicPr>
+        <p:blipFill>
+          <a:blip r:embed="rId3">
+            <a:extLst>
+              <a:ext uri="{28A0092B-C50C-407E-A947-70E740481C1C}">
+                <a14:useLocalDpi xmlns:a14="http://schemas.microsoft.com/office/drawing/2010/main" val="0"/>
+              </a:ext>
+            </a:extLst>
+          </a:blip>
+          <a:srcRect/>
+          <a:stretch>
+            <a:fillRect/>
+          </a:stretch>
+        </p:blipFill>
+        <p:spPr bwMode="auto">
+          <a:xfrm>
+            <a:off x="1431080" y="347126"/>
+            <a:ext cx="9329839" cy="5261050"/>
+          </a:xfrm>
+          <a:prstGeom prst="rect">
+            <a:avLst/>
+          </a:prstGeom>
+          <a:noFill/>
+          <a:extLst>
+            <a:ext uri="{909E8E84-426E-40DD-AFC4-6F175D3DCCD1}">
+              <a14:hiddenFill xmlns:a14="http://schemas.microsoft.com/office/drawing/2010/main">
+                <a:solidFill>
+                  <a:srgbClr val="FFFFFF"/>
+                </a:solidFill>
+              </a14:hiddenFill>
+            </a:ext>
+          </a:extLst>
+        </p:spPr>
+      </p:pic>
     </p:spTree>
     <p:extLst>
       <p:ext uri="{BB962C8B-B14F-4D97-AF65-F5344CB8AC3E}">
@@ -11652,64 +11670,6 @@
               <a:t> </a:t>
             </a:r>
             <a:endParaRPr lang="en-CA" dirty="0"/>
-          </a:p>
-        </p:txBody>
-      </p:sp>
-      <p:sp>
-        <p:nvSpPr>
-          <p:cNvPr id="4" name="Footer Placeholder 3">
-            <a:extLst>
-              <a:ext uri="{FF2B5EF4-FFF2-40B4-BE49-F238E27FC236}">
-                <a16:creationId xmlns:a16="http://schemas.microsoft.com/office/drawing/2014/main" id="{1A9C4B99-3CA8-1F5B-01CB-7BF63E0E79E8}"/>
-              </a:ext>
-            </a:extLst>
-          </p:cNvPr>
-          <p:cNvSpPr>
-            <a:spLocks noGrp="1"/>
-          </p:cNvSpPr>
-          <p:nvPr>
-            <p:ph type="ftr" sz="quarter" idx="11"/>
-          </p:nvPr>
-        </p:nvSpPr>
-        <p:spPr/>
-        <p:txBody>
-          <a:bodyPr/>
-          <a:lstStyle/>
-          <a:p>
-            <a:r>
-              <a:rPr lang="en-US"/>
-              <a:t>Sample Footer Text</a:t>
-            </a:r>
-            <a:endParaRPr lang="en-US" dirty="0"/>
-          </a:p>
-        </p:txBody>
-      </p:sp>
-      <p:sp>
-        <p:nvSpPr>
-          <p:cNvPr id="5" name="Date Placeholder 4">
-            <a:extLst>
-              <a:ext uri="{FF2B5EF4-FFF2-40B4-BE49-F238E27FC236}">
-                <a16:creationId xmlns:a16="http://schemas.microsoft.com/office/drawing/2014/main" id="{FBD21216-339C-32AB-9191-4C62C6B2120F}"/>
-              </a:ext>
-            </a:extLst>
-          </p:cNvPr>
-          <p:cNvSpPr>
-            <a:spLocks noGrp="1"/>
-          </p:cNvSpPr>
-          <p:nvPr>
-            <p:ph type="dt" sz="half" idx="10"/>
-          </p:nvPr>
-        </p:nvSpPr>
-        <p:spPr/>
-        <p:txBody>
-          <a:bodyPr/>
-          <a:lstStyle/>
-          <a:p>
-            <a:r>
-              <a:rPr lang="en-US"/>
-              <a:t>20XX</a:t>
-            </a:r>
-            <a:endParaRPr lang="en-US" dirty="0"/>
           </a:p>
         </p:txBody>
       </p:sp>
@@ -13995,23 +13955,23 @@
     <we:reference id="WA200003233" version="2.0.0.3" store="" storeType="OMEX"/>
   </we:alternateReferences>
   <we:properties>
-    <we:property name="embedUrl" value="&quot;/reportEmbed?reportId=7b807b95-3aeb-4f79-b6f1-cebd33c57aa2&amp;config=eyJjbHVzdGVyVXJsIjoiaHR0cHM6Ly9XQUJJLVdFU1QtVVMtRS1QUklNQVJZLXJlZGlyZWN0LmFuYWx5c2lzLndpbmRvd3MubmV0IiwiZW1iZWRGZWF0dXJlcyI6eyJ1c2FnZU1ldHJpY3NWTmV4dCI6dHJ1ZSwiZGlzYWJsZUFuZ3VsYXJKU0Jvb3RzdHJhcFJlcG9ydEVtYmVkIjp0cnVlfX0%3D&amp;disableSensitivityBanner=true&amp;lrtl=1&quot;"/>
-    <we:property name="bookmark" value="&quot;H4sIAAAAAAAAA+1YwXLbNhD9FQ4vuSgdEiRF0jdLVmbasVPXVuxDx6MBiKXMBCJYELSsevTvXYBULTlyrTiJok4rHywCi8XD7tuHpR5cXtSVoIv3dAbukTuQ8tOMqk9O4PbccnOMcC8NaRayfpjTIElTzilayUoXsqzdowdXUzUFfVXUDRXGIQ7+ftNzqRDndGqecipq6LkVqFqWVBR/QmuMU1o1sOy5cF8JqahxeampBuP2Ds3xGaH4PxlcNNPFHVxCptvRC6ik0t1zkFE/DxMeJWGQ9j3PD0mEa/JCaHRj3LHF6L5SCO1hdcJ3djLz8ySN/Yj5cRJAGhL0gyv1ojI2QwQzlarIqPjbnfF2tQJHeu47JWfWbxfNGi1HpS70Ah8uQd0VGUwu4I+J5FTTyS+0JDGajO0O3hJDdX0LCqyLoSx50R4Q/Ult/hncUNfd4M/l5ljdrRPNrPzc+lI2KoMLyB8fLMIlBv1cSUyJRVlj0Jt6wqHOVGEzixYI7IqKxuYTtzgt8OwYBnN6M4zL3ox/dQYj52R0OhqPTt6YNTdL87lpc7oGZCeAL0ZtF9g991bOhwowc9w98i2WumWJJcLLvDHkswTFbGhalB2DaEY4ZbGXkSDgzGd5nHAzvgPJWE5yRlge9tM4TZM4ojH/OpLN10l2TRWfDGRTcqoKqCfEI6HnB96PZdn8abqujy9OduJV2Qjx7cj0bHS2w9vkj7fsPazydMzvaJmBydwmnjOgdaPgG7N7LDUVzm8Nteuc4ZlzNj5kgKfPAbQVWJRT0en+Y4G17HQz0dRIAuADqoa3VGlzwbCPWKKmqnC1VBzUYGFJeFKo1R3g954c57sSwxC3vYRw7uOaonT1u9i9Rl4LwRREzw0yYP0MIE/DPt5eJGAs2lGIoijNQwJhav7wSk/6/f5/7rbL5Gw2sWHZvxjtWFrrEA+13v+9gvTtAQ4xX02JXMYaZouJLevnavmUMqgdlDrHap3z1jGr9UHiFLVzLmgGt1KgAu9T28lTbd8vp7+H2L+i9lvBT2PKMkK8OAzyNCERS4A+L/hbxXwf3XgruIerB88K1osk5rJs9P/s/SIWdL2Kl7Iw930vYiGPgoQAJS9S9wIENeBPzE8Be29EBqDnAFvi8pVtB2LBPkM79lRm7lTOkTum+TMLzfBlRbf4NzPHnH/BxHs5N/TEPY5n6F/bVnlczOADar85/drM240pYqaeWH6oqp1wPu664WB/XdNnET4oHVqhW5Xra4RIFCXs8Q3pdXH/gerzBEmrQUCyKA2Zhy87HvHDPIjTvnH+j5HWcK+ZvN+Ms1U0lkReSJjv9+MwyxkhUf9FRdsz4Y7vpqYEx3IoZA2T4dmrOjdsDrupg7r0th1u2b6dreN0Z6Cmdm/Z6LrCJvaclq3cV62zAqwdJoSWHHj33V40W94D7a/Ybidn+PkL8kp5TkUXAAA=&quot;"/>
-    <we:property name="datasetId" value="&quot;fa26264e-a8b9-41fb-9da0-13153281f383&quot;"/>
-    <we:property name="pageName" value="&quot;ReportSection3ca1f48d584396001425&quot;"/>
-    <we:property name="reportUrl" value="&quot;/links/QsDH_K1Ujp?ctid=553313d5-e452-4417-a399-d792921997f9&amp;bookmarkGuid=cd5c896d-7da8-4992-831a-ad4211c9535a&quot;"/>
-    <we:property name="reportName" value="&quot;Viz_odata_connection_14&quot;"/>
-    <we:property name="reportState" value="&quot;CONNECTED&quot;"/>
-    <we:property name="pageDisplayName" value="&quot;Month Analysis v2&quot;"/>
     <we:property name="backgroundColor" value="&quot;#F6F6F6&quot;"/>
-    <we:property name="initialStateBookmark" value="&quot;H4sIAAAAAAAAA+1Y33PaOBD+Vzx+6Qu9sWUb47wBoTN3DWlKaPJwk2Eke03cCssnyyFchv/9VrK5QEoOmqaUmzt4AP1afdr99tPaD3aSlQWni3M6A/vE7gnxZUblF8uzW3be9H348H7YHb2fnHeHA+wWhcpEXtonD7aicgrqKisryrUF7Pz9pmVTzi/oVLdSykto2QXIUuSUZ39CPRmHlKxg2bLhvuBCUm3yUlEF2uwdTsc27u3+ooHQWGV3cAmxqntHUAipmrYXUzf1O0nQ8b2o7TiuTwJck2ZcoRltji0G94VEaA+rI70zg7GbdqLQDZgbdjyIfIJ2cKVaFHpOH8FMhcxiyv82p61drcCRlv1Oipmx27ivxJmDXGVqgY1LkHdZDJMR/DERCVV08hvNSYhTxmYHZ4muur4FCcZEX+RJVh8Q7QmlfzRuKMum89d8s69s1vFqln89+1JUMoYRpI8Ng3CJTr+QAkNiUJbo9KqcJFDGMjORxRkI7IryysQTtzjL8OzoBn163Y3L3ow/WL2BdTo4G4wHp2/0mpul/tzUMV0DshfAnV7bB3bLvhXzvgSMXGKfuAZLWbPEEGE3bzT5DEExGopmecMgGpOEstCJieclzGVp2El0/x4kYylJGWGp347CKOqEAQ2T7yPZfJ1k11Qmk56o8oTKDMoJcYjvuJ7zc1k2fxqu6+7odC9e5RXnr0emZ72zHd4mf5xl62EVp25yR/MYdOQ28QyBlpWEV2b3WCjKrY8VNeus/tAajo8Z4NlzAE0GZvmUN7r/mGA1O+2YVyWSAJIelf1bKpW+YNhnTFGdVbhayARkb2FIeJrJ1R3gtp4c54cSQxO3voRw7POaojT5u9g/R14KQSdEy/ZiYO0YII38Nt5exGMs2FOIgiBKfQJ+pL+s7Xfa7fZ/7raLxWw2MW45vBjtmVrrEI813/+9gvT6APsYrypHLmMOs8XEpPVzuXxGGZQWSp1ltM56a+nV6ihx8tK64DSGW8FRgQ+p7eSpth+W0z9C7F+Q+7XgRyFlMSFO6Htp1CEB6wB9XvC3ivkhqvFacI9XD54VrJ0kTkReqf/Z+00saGoVJ2J+6rpOwPwk8DoEKNlJ3RFwqsGf6lcBBy9EeqDmAFv88p1lB2LBOkNZ5lR67EzMkTu6+NMLdfdlQbfY1yPdJPmGgXMx1/TEPboztK9MqTzOZvAJtV+ffm3k7cYQ0UNPZn4qir1wPu66YeBwVdNXHj4qHVqhW6XrS4SIZzkc8AnpZX7/ierzBEmtQUDiIPKZgw87DnH91Aujtjb+j55WcK+YuN/0s1E01gkcnzDXbYd+nDJCgvZORTsw4bp3U52CY9HnooRJf/iiyg2Lw2boqC69bYdb1k9n6zjtGcip2VtUqiywiL2geS33RW0sAzMPA0LzBJLmv7lotjwHmrfYttkE3ZQxDjsW6HfbdiN/+PkLpkDt/2YXAAA=&quot;"/>
-    <we:property name="isFooterCollapsed" value="true"/>
-    <we:property name="isFiltersActionButtonVisible" value="true"/>
-    <we:property name="isVisualContainerHeaderHidden" value="false"/>
-    <we:property name="reportEmbeddedTime" value="&quot;2024-02-05T04:17:39.823Z&quot;"/>
+    <we:property name="bookmark" value="&quot;H4sIAAAAAAAAA+1Y33PiNhD+Vzx+uReuY8u/8xYIN9NOkqaESx46GUay18R3wnJlGUIz/O9dydAEjhQul+PotOSBSFqtP+1++2nNo50VdcXp/JJOwD6xu0J8nlD52fLsjl2uz0URZCnQnHnMCV3XoyRM0EpUqhBlbZ882orKMaibom4o1w5x8ve7jk05v6JjPcopr6FjVyBrUVJe/AmtMS4p2cCiY8NDxYWk2uW1ogq02yma4xihuD9pXDRVxRSuIVXt7AAqIdVy7KXUzf04C2LfS0LHcX0S4J684ArdaHds3n+oJEJ7XJ3wg1lM3TxOIjdgbhR7kPgE/eBONa+0TQ/BjIUsUsr/dqe93azAkY79QYqJ8buMZo2W/VIVao6Da5DTIoXRAP4YiYwqOvqFliRCk6F5grPAUN3egwTjoifKrGgPiP6E0l8aN9T1cvLncn2uXu7jzaT80vpaNDKFAeRPA4NwgUG/kgJTYlDWGPSmHmVQp7IwmUULBHZDeWPyiY84L/DsGAZ9ej2N294Nf7W6feusf94f9s/e6T13C/25a3P6DMheAHdGbR/YHftezHoSMHOZfeIaLHXLEkOE3bzR5DMExWwoWpRLBtGUZJRFTko8L2Muy6M40/N7kIzlJGeE5X6YREkSRwGNsm8j2ew5yW6pzEZd0ZQZlQXUI+IQ33E958eybLaZrtvTwdlevCobzt+OTC9GZzu8df44i87jKk+n2ZSWKejMreO5AFo3Et6Y3UOhKLd+a6jZZ/UurIvhMQM8fwmgqcCiHPOl7j8VWMtOO+VNjSSArEtl755KpS8Y9glLVFcV7hYyA9mdGxKeFXJ1B7idjeN8V2Jo4raXEK59eqYoy/qd718jr4WgC6JjeymwMAXIEz/E24t4jAV7ClEQJLlPwE/0Hwv9OAzD/9xtl4rJZGTCcngx2rO0nkM81nr/9wrS2wPsYb6aErmMNczmI1PWL9XyOWVQWyh1ltE6672ld6ujxMlr64rTFO4FRwU+pLaTTW0/LKe/h9i/ovZbwU8iylJCnMj38iQmAYuBviz4W8X8EN14K7jHqwcvCtZOEmeibNT/7P0qFix7FSdhfu66TsD8LPBiApTspO4AONXgz/RPAQdvRLqgZgBb4vKNbQdiwT5DWeZUeu1czJA7uvnTG/X0dUW3+Ncrp1n2FQuXYqbpic84naB/ZVrlYTGBj6j9+vTPVt6vLRG9tGH5sar2wvn01DUHh+uavojwUenQCt2qXF8jRLwo4YBvSK+L+w9Unw0krQYBSYPEZw6+7DjE9XMvSkLt/B8jreBBMfGwHmejaCwOHJ8w1w0jP80ZIUG4U9EOTLjT6ViX4FD0uKhh1Lt4VeeGzeFy6aguvW2H05nG1CQZjV3Xp8R1EuI4rgu7E13RMVzSaTGmSsjNdJuMP83YE5Bjcx7RqLrCxviKlu0VUrUACzB2mGRaZpAt/zeX15Z3S/PLuG0egpgKxmHfDS23F38BBAftj8oXAAA=&quot;"/>
+    <we:property name="creatorSessionId" value="&quot;f51d6d55-91ae-4fac-890b-bd35f572571e&quot;"/>
     <we:property name="creatorTenantId" value="&quot;553313d5-e452-4417-a399-d792921997f9&quot;"/>
     <we:property name="creatorUserId" value="&quot;100320031955C680&quot;"/>
-    <we:property name="creatorSessionId" value="&quot;3183ce92-500b-4e23-9b30-f90e00136089&quot;"/>
+    <we:property name="datasetId" value="&quot;08880a14-e1b8-4144-8d2a-632ee54adb78&quot;"/>
+    <we:property name="embedUrl" value="&quot;/reportEmbed?reportId=1631a388-076d-4b21-9b3b-5692198f0c3f&amp;config=eyJjbHVzdGVyVXJsIjoiaHR0cHM6Ly9XQUJJLVdFU1QtVVMtRS1QUklNQVJZLXJlZGlyZWN0LmFuYWx5c2lzLndpbmRvd3MubmV0IiwiZW1iZWRGZWF0dXJlcyI6eyJ1c2FnZU1ldHJpY3NWTmV4dCI6dHJ1ZSwiZGlzYWJsZUFuZ3VsYXJKU0Jvb3RzdHJhcFJlcG9ydEVtYmVkIjp0cnVlfX0%3D&amp;disableSensitivityBanner=true&amp;lrtl=1&quot;"/>
+    <we:property name="initialStateBookmark" value="&quot;H4sIAAAAAAAAA+1YUXPaOBD+Kx6/9IXe2LKN7bwBoTN3DWlKaPJwk2Eke03cCssnyyFchv9+KxkugZKDpinl5o48EEur1afdbz+tebDTvCo5nZ/TKdgndleIL1Mqv1ie3bKL5diHD+8HneH78Xln0MdhUapcFJV98mArKiegrvKqplx7wMHfb1o25fyCTvRTRnkFLbsEWYmC8vxPaIxxSskaFi0b7ksuJNUuLxVVoN3eoTk+497uLxoITVR+B5eQqGZ0CKWQavnsJdTN/CgNIt+L247j+iTANVnOFbrR7ti8f19KhPawOtI7M5m4WRSHbsDcMPIg9gn6wZVqXmqbHoKZCJknlP/tTnu7WoEjLfudFFPjdxm+Ci37hcrVHB8uQd7lCYyH8MdYpFTR8W+0ICGajMwOzgJDdX0LEoyLnijSvDkg+hNKf2ncUFXLwV+L9bFquY7X0+Jr60tRywSGkD0+GIQLDPqFFJgSg7LCoNfVOIUqkbnJLFogsCvKa5NP3OIsx7NjGPTp9TAuezP6YHX71mn/rD/qn77Ra24W+nPT5PQJkL0A7ozaPrBb9q2Y9SRg5lL7xDVYqoYlhgi7eaPJZwiK2VA0L5YMoglJKQudhHheylyWhVGqx/cgGctIxgjL/HYcxnEUBjRMv49ks6cku6YyHXdFXaRU5lCNiUN8x/Wcn8uy2Wa6rjvD0714VdScvx6Zno3Odnjr/HEWrYdVnjrpHS0S0JlbxzMAWtUSXpndI6Eotz7W1KyzegNrMDpmgGfPATQVmBcTvtT9xwJr2GknvK6QBJB2qezdUqn0BcM+Y4nqqsLVQqYgu3NDwtNcru4At7VxnB9KDE3c5hLCuc9PFGVZv/P9a+SlEHRBtGwvAdZOALLYb+PtRTzGgj2FKAjizCfgx/qPtf2o3W7/5267REynYxOWw4vRnqX1FOKx1vu/V5BeH2AP81UXyGWsYTYfm7J+rpbPKIPKQqmzjNZZby29Wh0lTl5ZF5wmcCs4KvAhtZ1savthOf0jxP4Ftd8IfhxSlhDihL6XxREJWAT0ecHfKuaH6MYbwT1ePXhWsHaSOBVFrf5n7zexYNmrODHzM9d1AuangRcRoGQndYfAqQZ/qn8KOHgj0gU1A9gSl+9sOxAL9hnKMqfSc2dihtzRzZ9eqIcvS7rFv57ppOk3TJyLmaYn7tGZon9lWuVRPoVPqP369E9m3q5NET21YfmpLPfC+bjrmoPDdU1fRfiodGiFblWuLxEinhdwwDekl8X9J6rPBpJGg4AkQewzB192HOL6mRfGbe38HyOt4F4xcb8eZ6NoLAocnzDXbYd+kjFCgvZORTsw4Tp3E12CI9HjooJxb/Cizg2bw+XUUV162w6nM42piVMaua5PievExHFcF3YnuqQTOKd3+YQqITfTbTL+OGJPQU7MeUStqhIb4wtaNFdI2QDMwdhhkmmRQrr831xeW94t9c/fttkDIeWMw572DbMXfwHTGhD8uRcAAA==&quot;"/>
+    <we:property name="isFiltersActionButtonVisible" value="true"/>
+    <we:property name="isFooterCollapsed" value="true"/>
+    <we:property name="isVisualContainerHeaderHidden" value="false"/>
+    <we:property name="pageDisplayName" value="&quot;Month&quot;"/>
+    <we:property name="pageName" value="&quot;ReportSection3ca1f48d584396001425&quot;"/>
+    <we:property name="reportEmbeddedTime" value="&quot;2024-02-09T05:02:47.012Z&quot;"/>
+    <we:property name="reportName" value="&quot;311_Service_Request_Reports&quot;"/>
+    <we:property name="reportState" value="&quot;CONNECTED&quot;"/>
+    <we:property name="reportUrl" value="&quot;/links/MYd1nQCLlM?ctid=553313d5-e452-4417-a399-d792921997f9&amp;bookmarkGuid=8c018e36-dd22-4f86-9490-af6662fd9791&quot;"/>
   </we:properties>
   <we:bindings/>
   <we:snapshot xmlns:r="http://schemas.openxmlformats.org/officeDocument/2006/relationships" r:embed="rId1"/>
@@ -14026,22 +13986,22 @@
   </we:alternateReferences>
   <we:properties>
     <we:property name="backgroundColor" value="&quot;#F6F6F6&quot;"/>
-    <we:property name="bookmark" value="&quot;H4sIAAAAAAAAA+VYW2/bNhT+K4Ze+mIMutmy8tbYLpYtadPY6DAMQXBMHtlsacmlqCRe4f++Q0py4lvsBUmabHlwJOrwXL5zJX84XOQzCfOPMEXnyDnOsm9TUN8agdN00tW1YAQeYIsFEbRi5HHHjROiymZaZGnuHP1wNKgx6i8iL0AahrT4l9Px/QSg3R5hwDGKwxZEsXPZdEDKcxgbmgRkjk1nhirPUpDibyxZ0CetClw0HbydyUyBETTQoNEIuyZyeicFvV+MtsC0uMYBMl2uXuAsU7p6T6KIh1HiurEfeQH3Qgwj2pMIqYmNYTea929nihT+Udv9wX5kXtKJI6818qJOgHHoe0lIO/V8Zmi6pMw4U4KBXLIz3L7UyvlN54PKppZvhXFOlP1UCz2nlwGqa8Hw6gK/X2UcNFz9BqlvdBtaCe6CoPpjggoti26WclEaSPwybf4ZvTHPq8WTdHUtr/bJYppuUg+yQjG8wOTuxWq4INDPVUYusVrmBHqRX3HMmRLW30RBin0BWVgvk4hTQbYTDMZ6s0zb3g0/NY77jV7/tD/s996ZPZcL83dZ+vSeIgcpuBe1Q9RuOpPspquQPMedI8/qkpdRYgNhf9wQ0QGB4414HDOE0O146LstxJDtCpzXhMW1zT0KNA0irWxkHMKQLGklrBVHLAqBsd0w/CwTK7JGJXi+YaBbOlukY1mVGFtI7FOZbk4uiYMyZW30lULAmjZFKmvmYYxpGeJk5KyUKzC/A2L16UVqwLOk+xYgD0j247mEm2WS20SnXcaeLYBNM24hRRs02xn2aAfPblLDs2SWo6zr+wbHXFOo6YF17sDS7eFv207F2gBQNhCC4eu9arA0+uVi1iDXdKIwbKOX+EnsJVEb2iwG3Jtyw2z28fA+VIy+F0gim+sG1R/o+XP98LTRXDvoOWK1WauVCJTcMeI+KY7qeG7l9YSqY8hft/wMIS8UPlqZYaZBNj4XYMFodM8aZ8OeU8Yu+YZKrGudWyLhL5pvuiAMYSTxAS51GL1ky9/bAzwD+pN3qJ4ZStdUoTBQJg03u9BLaXBGTXzyoPz3/BpSRqvrwt+PxwrHUEdV//k9NxRTbOis0ZVZXlryoUirRPUei+Gvgqq+YpP5KV6j3NR4+f0pjLnHbCMOG3cfDWmlziEjy3/D0LxiZ0fkR8xlTBY5JRPyMva6E8qtlSltVwNfIvvvW/hDKVU2aTfxY4gDlrgBjoB3olGrbWeRh0zReKtH2e2q9obb1pPyvpa/M4OfPCKWcNx3fxckphzUirP/RNhW9vY6GSpbBnYIr4ieexTn9zuvtfGl2ixfD64Kt/2ztu/6/un6pP2kw7G5eLk3G2fbByhvfYD6+UFnkGDAJsjLY3ivvN860TgtfSS4BYQRPCe87GbTGSiR172tfvtdpCZsjYREP01DXibGhRhP9A7oa+famrB6PWc+OdVpJXSDdjgKA9fvRC4PIG7D44vFG2r3b6jg/aTWfbjeuwbEvZVaihQf2YNfgZteBebVBNFOWhAGCG7gtwMWuAEPdqfxygUjoht33ChB+vHaQeR5Yfy/u5leLyP7e2daSPniN9Gb1e4NnMjqmV0hneNzfSX4Wp1uvb6j7f6DxOs5P9gCsG24zQqdz4DhOaS4ZZgjLCHlyPeMcKv3m4vFPwS3xz3sGwAA&quot;"/>
-    <we:property name="creatorSessionId" value="&quot;2c97aa16-bac6-4040-ae90-60689fe7015b&quot;"/>
+    <we:property name="bookmark" value="&quot;H4sIAAAAAAAAA+VZbW/bNhD+K4a+9Isx6M2S1W+t7WLdkjaNjQ7DUAQn8mSzlSWXotx4hf/7jpTkxm+RFyRpsuVDIlHk8e65517IfLe4KBYprN7BHK2X1us8/zIH+aXjWV0r2x4LfN7ru04P/B6EfmCD7elZ+UKJPCusl98tBXKK6qMoSki1QBr861PXgjS9gKl+SyAtsGstUBZ5Bqn4G6vJ9EnJEtddC68XaS5BixwrUKjFLmk6vZMqzi96R2BKLHGMTFWjl7jIparfkzDkfpjYduSGjscdH/2Q1iQiVSRGi4tXo+uFJNW+Nxa+MR+Zk/Sj0OnFTtj3MPJdJ/FppVot9JwBKTPNpWCQbsRpaR8b5dyu9UbmcyO3RrOgmaNMCbWilzHKpWB4dYlfr3IOCq5+g8zVuk3MDvaaoPpjhhKNiEGecVEZSPJypf9ovbEo6sG32fZYUa9Ly3m2P3ucl5LhJSY/XoyGawL9QubkEqNlQaCXxRXHgklhPEszSLGPkJbGn7TFmSDbCQZtvR6mZS8m7zuvR53h6Gw0GQ1f6DWf1vrnU+XTG4qcpGAraqeo3bVm+beBRPIct146RpeiYokhQjtvaNIJxHFiHkUMwbf7Drp2D9Fnx4jzlLBYmtgjoikQWW0j4+D7ZEkvYb0oZKEPjB2H4WeZWE/r1Buv9gy0K2eLbJrWKcYkEvNUhZtVpCRB6gQWfyYKGNPmSAlMP0wxqyhORi6qfQUWP4DYfnqUHPAg4X4AyBOC/YKqQbEJchPotErbcwCwec4NpGhIc1jgkFbw/FumZVbCCkyb/L4nsVBENTU2zh2beS3yTdmpRWsAqgJCMHy+kQ02Rj8eZzVyXSv0/QCdxE0iJwkDCFgE2Bpyk3zx7vQ6VMZfS6Qtu7sGNR/o+UPzcL9sbhz0EFztNmolAlNu6e3eS47y9crsNxSy4ZC7a/k5QlFKvLMyk1xB2vlQggGjMzjvnE+GVsVd8g2lWNs4t0LCXXefdUKYQJziLVIaGj1myW+tAY4G/d4r1FA3pTuqEA2kDsP9KvRYGpxTEZ/duv8rvoSM0eju5q+mU4lTaFg1enjPTcQcOyrvDNK8qCx5U2Z1oDp3xfBXQVlfstnqDJeY7mu8+X4fxtwQtsfDzo+Pemqtzikty3/D0KIWZ1rkO/RlLC0LCibkFfcGM4qtrS7tWAHfIPvvS/htIVUVaTtxI4g8ltgexsD7YdwLTC9ymykKr1WcX29rr6X1XTcBCIIYPY5hpA/UUWvJPxrB986IDRw33T+AFDMOcsvZfyIcSnutTobalrFpwutJD92K85uV19j4WGWW75Krxq2913ZtJzzb7bTvtTnWFy83euP8cAPl7DZQP590GgkGbIa8OoYPq5ustwrnlY8EN4Awguctr6rZfAFSFE1ta95+F5mmrd4hUfdTkDeBcSmmM3UE+sa5JidsX8TpT1Z9WvFtL/Bj37PdfmhzD6IA7p4snlG5f0YJ7yeV7tP1PtYgtmbqVGR4xxr8BNz0JDCvO4gg6YHvIdieG3jMsz3uHQ/jrQtGRDvq22GC9MsJvNBx/Oh/dzO9m0baa2dWpumj30TvZ7tncCJrenaJdI4v1JXgO3m69/SOtu0Hiad0fogj3mOcJ0Hs9pjthb7NwtbzwwKm+A6WgriQy91ThBF7qGHOS1UsgOEFZHigQST/QMaRt7SFmztT838CUd//nHzJul7/A5vJuMhbHAAA&quot;"/>
+    <we:property name="creatorSessionId" value="&quot;96ddd856-a8a9-4804-a9c3-28432544b523&quot;"/>
     <we:property name="creatorTenantId" value="&quot;553313d5-e452-4417-a399-d792921997f9&quot;"/>
     <we:property name="creatorUserId" value="&quot;100320031955C680&quot;"/>
-    <we:property name="datasetId" value="&quot;fa26264e-a8b9-41fb-9da0-13153281f383&quot;"/>
-    <we:property name="embedUrl" value="&quot;/reportEmbed?reportId=7b807b95-3aeb-4f79-b6f1-cebd33c57aa2&amp;config=eyJjbHVzdGVyVXJsIjoiaHR0cHM6Ly9XQUJJLVdFU1QtVVMtRS1QUklNQVJZLXJlZGlyZWN0LmFuYWx5c2lzLndpbmRvd3MubmV0IiwiZW1iZWRGZWF0dXJlcyI6eyJ1c2FnZU1ldHJpY3NWTmV4dCI6dHJ1ZSwiZGlzYWJsZUFuZ3VsYXJKU0Jvb3RzdHJhcFJlcG9ydEVtYmVkIjp0cnVlfX0%3D&amp;disableSensitivityBanner=true&amp;lrtl=1&quot;"/>
-    <we:property name="initialStateBookmark" value="&quot;H4sIAAAAAAAAA+VYW2/iOBT+Kygv84JWuUFI31qg2m5L2ymoq9WqQiY+Ac+EhLEdpkzFf99jJ6FcG7aitN3tA00c+/ic73znYj8ZlIlJRGbXZAzGiXGWJN/HhH+vOEbViPOxm5vLzundZf/6tNPG4WQiWRIL4+TJkIQPQd4zkZJIScDBvx+qBomiWzJUbyGJBFSNCXCRxCRivyCbjJ8kT2FeNeBxEiWcKJFdSSQosVOcju+4t/WbUoQEkk2hC4HMRu9gknCZv4eeR10vNE3f9iyHWi64Hq4JWSRRjBI3mLUfJxxVeypMOtcfAyts+J5VG1hewwHfta3QxZVyNlFzmqjMMOEsINFCnJJ2XyhnV41znoy13Bw+gTPbsWRyhi9d4FMWQP8OfvQTSiTp/0FiW+nW0zuYc4TqzxFw0CKaSUxZZiDKS6T6p/QGIfLBi3h1TOTronQcb87uJikP4A7C5xet4RxBv+UJukRrKRD0VPQpiIAz7VmcgYrdkyjV/sQtrhjajjAo69UwLvvSu6mctSut9lW71259UWse5urvIfPpkiJ7KViK2j5qV41R8rPJAT1HjRNL6yIylmgilPMGJ+1BHGtAfT8A4poNC2yzBuAGu4jzkbCY6thDoknC4tzGgBLXRUtqYVDzvcBzSRDshuG9TMynVfKNZxsGmpmzWTyM8hSjE4l+ysLNEBFK4CqBDb4hBbRpY8AEph6GEGcURyMn2b4MxDMQq09HyQFvEu5bgNwj2G+xJIhFkOtAx1XKni2AjROqIQVNmu0CW7iCJj9jJTMTJiAq8vuGRCGRarKrndvV80rk67KTi1YAZAUEYfi2lA0WRh+Pswq5quG5bh2s0A59K/TqpB74BEpDrpdMrvevQ+ngRwq4ZXXdoOIDPn8tHg7L5sJBb8HVaqFWyCCihtruhlPgZzO9X4vxgkP2uuUdICLl8GpleokkUeVrSjQYlWan0um1jIy76BtMsaZ2boaEPa9+6oTQI4MIXpBS0OiYJb+0BlgK9INXqJZqStdUQRpwFYabVehYGnSwiI9e3P+UTkkc4Oj65qfDIYchKVjVfnvP9dgYKjKpNKNEZJacp3EeqNZrMfydYdbnwWh2BVOINjVefD+EMUvCNnhYef6opubq7NOy/DcMFbk43SK/oi8LolRgMAHNuNccYWytdGm7CvgC2X9fwl8KqaxIm6HtE98JQtOBAaENb1Cr617kJVMkPMpB8riqvZLWsO2QkHp9AA4Fz3drxPNLS/7OCD44IxZwLLu/SSKIKeErzv4LyLa0V+pkktvS1U14PumtW3G6XHm1jccqs3SdXDlu5b22bVqNq/VO+6DNsbp4WeqNk+0NlLXeQL0/6RQSAQlGQLNjeCu7urqQMM58xKgGJEB4LmhWzcYTwpkoalvxdsliRVu1QygPU5AXgXHHhiO5A/rCuTonrN68qU9GflpxTafuDlzHtBueSR3i18nrk8UnKvefKOG9U+neX+9dDWJppo5YDK+swR/ATR8C87yDqIc14jpATMeuO4FjOtTZHcYrF4wApt8wvRDwx6o7nmW5/v/uZno9jZTXzjiNoqPfRG9mu09wIit6dg54jheyz+hanq59vKNt+UHi45wfdALY1twmqRQTEsAtiWFLM4dYkpgCLWnhFveb+k6f5Xc1+/Z88/k/tj9prfcbAAA=&quot;"/>
+    <we:property name="datasetId" value="&quot;08880a14-e1b8-4144-8d2a-632ee54adb78&quot;"/>
+    <we:property name="embedUrl" value="&quot;/reportEmbed?reportId=1631a388-076d-4b21-9b3b-5692198f0c3f&amp;config=eyJjbHVzdGVyVXJsIjoiaHR0cHM6Ly9XQUJJLVdFU1QtVVMtRS1QUklNQVJZLXJlZGlyZWN0LmFuYWx5c2lzLndpbmRvd3MubmV0IiwiZW1iZWRGZWF0dXJlcyI6eyJ1c2FnZU1ldHJpY3NWTmV4dCI6dHJ1ZSwiZGlzYWJsZUFuZ3VsYXJKU0Jvb3RzdHJhcFJlcG9ydEVtYmVkIjp0cnVlfX0%3D&amp;disableSensitivityBanner=true&amp;lrtl=1&quot;"/>
+    <we:property name="initialStateBookmark" value="&quot;H4sIAAAAAAAAA+VZ227bOBD9FUMvfTEWutmy+pbaLrbb3BobXSwWRUCRI5utLLok5cYt/O87pCQ3vkXeIEmT3TwkEkUOZ86cuZD54TCu5hlZnpMZOK+dN0J8mRH5pRU4bSevxi4u3p+dXL2/Pj85G+KwmGsucuW8/uFoIiegP3JVkMxIwMG/P7UdkmWXZGLeUpIpaDtzkErkJOPfoZyMn7QsYNV24GaeCUmMyJEmGozYBU7Hd9zb+80oQqjmCxgB1eXoFcyF1NV7GkUsjFLXjf3IC5gXQhjhmpRnGsUYcclyeDOXqNqP2qS39iP10l4ceZ3Ei3oBxKHvpSGu1Mu5mdNHZSZCckqytTgj7WOtnN923koxs3Ir+BTOHOaa6yW+jEAuOIXrK/h6LRjR5PoPkvtGt7HdwV0hVH9OQYIV0Rc546WBKE9o88foDUpVg+/yzTFVrcuKWb47eyQKSeEK0p8vVsMVgn4pBbrEaqkQ9EJdM1BUcutZnIGKfSRZYf2JW5xytB1hMNabYVz2anzRejNsDYanw/Fw8Mqs+bQyP59Kn95S5CgFG1E7Ru22MxXf+hLQc8x57VldVMkSS4Rm3uCkI4jjJSyOKZDQ7Xngux2AkB4iznPCYmFjD4mmCc8rGykjYYiWdFLaiSMahYTSwzD8KhOraa1q4+WOgW7pbJ5PsirF2ERin8pwc1SGEqRJYMlnpIA1bQaYwMzDBPKS4mjkvNyXg/oJxObTk+SARwn3PUAeEeyXWBLUOshtoOMqY88ewGaCWUjBkma/wAGuYOJbbmSWwhRkdX7fkag0Uk2PrHNHdl6DfFt2KtEGgLKAIAyfb2WDtdFPx1mDXNuJwrALXuqnsZdGXdKlMYHGkBuL+fnxdahIvhaAW7a3Dao/4POH+uFh2Vw76DG42q7VSjlkzDHbXUgG8s3S7jfgsuaQv235GRBVSLi3MmOhSdb6UBALRqt/1jobD5ySu+gbTLGudW6JhL9qv+iEMCZJBndIqWn0lCW/sQZ4BvQHr1AD05RuqYI0kCYMd6vQU2lwhkV8euf+J2xBcoqj25ufTCYSJqRm1fDxPTfmM2hp0epnQpWWvC3yKlC9+2L4O8esL+l0eQoLyHY1Xn9/CGNuCdvhYevnRzO1UueYluW/YaiqxNkW+R59Gc0KhcEErORef4qxtdGlHSrga2T/fQm/K6TKIu2mfkzigKZuAAlhvSjpdG0vcpcpGm50Im42tTfSer6fEtLtJhAwiOKwQ6K4seQfjOAHZ8Qajtvu75MMckbkhrP/ArIv7TU6mVS2jGwTXk167Fac3a681sanKrNsm1wVbs29tu960el2p/2gzbG5eLnVG4v9DZS33UD9etIZJCihU2DlMXxQXl290zArfcSZBYQiPO9YWc1mcyK5qmtb/fae54a2ZodUP0xBXgfGFZ9M9QHoa+fanLB582Y+OdVpJXSDbpiEgev3IpcFJO6S+yeLF1TuX1DC+0Wl+3i9DzWIjZk64zncswY/Azc9C8yrDqKbdkgYAHEDvxvQwA1YcDiMNy4YAdy450Yp4C+vG0SeF8b/u5vp7TTSXDvzIsue/CZ6N9u9gBNZ3bNLwHO80tecbeXpzvM72jYfJJ7T+SGJWYcylnYTv0PdIApdGjWeH+ZkAudkwZELQm6fIqzYfQ2zKLSaEwqXJIc9DSL6h+QMWENbuL4ztf8n4NX9z7F95Gr1D9GhbvxLHAAA&quot;"/>
     <we:property name="isFiltersActionButtonVisible" value="true"/>
     <we:property name="isFooterCollapsed" value="true"/>
     <we:property name="isVisualContainerHeaderHidden" value="false"/>
-    <we:property name="pageDisplayName" value="&quot;Close Time&quot;"/>
+    <we:property name="pageDisplayName" value="&quot;Days to Close&quot;"/>
     <we:property name="pageName" value="&quot;ReportSectionf77d47f0092713d14e47&quot;"/>
-    <we:property name="reportEmbeddedTime" value="&quot;2024-02-05T04:28:02.724Z&quot;"/>
-    <we:property name="reportName" value="&quot;Viz_odata_connection_14&quot;"/>
+    <we:property name="reportEmbeddedTime" value="&quot;2024-02-09T05:03:42.860Z&quot;"/>
+    <we:property name="reportName" value="&quot;311_Service_Request_Reports&quot;"/>
     <we:property name="reportState" value="&quot;CONNECTED&quot;"/>
-    <we:property name="reportUrl" value="&quot;/links/QsDH_K1Ujp?ctid=553313d5-e452-4417-a399-d792921997f9&amp;bookmarkGuid=e24e5640-dfc8-4aa8-b021-358f6335f6bc&quot;"/>
+    <we:property name="reportUrl" value="&quot;/groups/me/reports/1631a388-076d-4b21-9b3b-5692198f0c3f/ReportSectionf77d47f0092713d14e47&quot;"/>
   </we:properties>
   <we:bindings/>
   <we:snapshot xmlns:r="http://schemas.openxmlformats.org/officeDocument/2006/relationships" r:embed="rId1"/>
@@ -14055,23 +14015,23 @@
     <we:reference id="WA200003233" version="2.0.0.3" store="" storeType="OMEX"/>
   </we:alternateReferences>
   <we:properties>
-    <we:property name="embedUrl" value="&quot;/reportEmbed?reportId=7b807b95-3aeb-4f79-b6f1-cebd33c57aa2&amp;config=eyJjbHVzdGVyVXJsIjoiaHR0cHM6Ly9XQUJJLVdFU1QtVVMtRS1QUklNQVJZLXJlZGlyZWN0LmFuYWx5c2lzLndpbmRvd3MubmV0IiwiZW1iZWRGZWF0dXJlcyI6eyJ1c2FnZU1ldHJpY3NWTmV4dCI6dHJ1ZSwiZGlzYWJsZUFuZ3VsYXJKU0Jvb3RzdHJhcFJlcG9ydEVtYmVkIjp0cnVlfX0%3D&amp;disableSensitivityBanner=true&amp;lrtl=1&quot;"/>
-    <we:property name="bookmark" value="&quot;H4sIAAAAAAAAA+1ZbVPiSBD+K1S+7BfqKi8kEL+p4J136rrgaV1dWdRkpgPZDUl2MkFZi/9+PZMEeQcRxb27/bJk0jN5uvvp7un2SWNBmoRkdEUGoB1pJ3H8bUD4t4qlVbVods2xmOXotuNBQ3cYGL7juCgVJyKIo1Q7etIE4T0Qt0GakVAeiIt/a2aN6rYFtufY4Nm+x6BuaPdVjYThNelJGZ+EKVS1BHgaRyQMfkB+BL4SPINxVYPHJIw5kR/qCCJAfmyI4viMAI1fJFpCRTCEDlCRr7Yhibkonj2mU8pqPqmDbRmgO65Zwz1+EAo8Rh7njVqPCUfAT6XeZ+olNfyGWzdsz6g3LHBrpuHLnWKUSJlTBNOLeUBJODlOnnZbgjOr2hmPB+rcwsYpSrYiEYgRPnSADwMK3TZ878aMCNL9nURmHUVu1Bf0MZrqrg8c1BGnccSCXEE8LxbyP4kb0rRYPI9m19JiX5gNokXpTpxxCm3wnx8UwjEa/ZrH6BKFMkWjZ2mXQUp5oPyNEgjsloSZ8jJ+4iJA3dEMUnu5jNs+3XyunLQqzdZF66bV/CT33I/lv/vcp1NAtgK40WrbwK5q/fjhlAN6jmlHhsKS5ixRRNjMG0k+RVD0hiBBVDDIYARsZhsU2WLrjkcMV5fry0lWEOiYDUlEEcm8QY57PQ49Uvq69Q7WKsQ4fEenim7AlMRZFhUhZc8bTx9Xn5ZHwqwuvwXIDE77owsYQrgIe/J+HxpNHVbKVQpwo8rzSylawFkQW2DJv0XR0sUqwy0qqUIhiHphkYCfmZ4nI42GWYpcBnZC+GmfcCHzv/cVY0XSG3fHnAE/GSmGNwNeJmPMgq2fgN0ypeVlBDd+ncoJE2JIvT66k5ewWWbdqlZ3fbtmuVbdZA1d9+vMcL2NCWod3d/EUcc9iOio8iuPs2RtIP7kqXNjsLE4ysR/Nsreg1t5WHiGb5s2Y5T6lmFQzzX8/+v2G8LNb5k7RfbeU29TNhPzefaUhBAxwmey6l9QLHyIe8H2uC/xjtrfpdaHeLFdmn0OUCFf7KYisonvm8zzqaN7PrGI3nD83SP78Fq92Iek0KUTYmDyQmjandoAsGWXPzAz5u0bWiLJozWA9Nlas7/W9bdsur9VOm7TzO6jb2XzuaZkw8ZO1dRN66LsT1WPei+7wrAsrQtGSQVGuugo43eUnFwFxaWlX5CTDK1ofleXcGO+hB+edNISlNA+sHwg0swHRucCBrmPsN5Ig1A0zznLy8YgITxIyyJSPv0RRJK28gu+eHl9mSBfdHBVawe9vlhh+tK5KifMzrvkKy33SAOvxjXXqLlQs2yHeKRmW7sni0sgacZhz7XzJhYkrLTzQl/5kpF8//vU92X237m6TDrJHMOOhWZ/CuQFwwWHMOIaoLusbjCjxvS6Ivc6VQQ8Ci9+nEUvT1s6+dzEqJs4udp+lJh5SAU0xnza6JQv8PeX8sd+h5Jl1nv9dHGxYa2WsPwAQszq+LnPW/Y82wXeajArQ0yCQOdgjtaVd3NTmDLU9j3YfZMZ7rKxAIIhXghrTil59J5j2+3GcTNTetAt4pOG6wN2c6aDD9R73ZT+YdqZd4Sz7kmcyRqJF4Aulo2ablj6Ycf0D/OGuztuN7tXf15udeWJsjDc30R+pYVWQ/xIPen6uegWnemB6/3Geuu9cmD7zvpJk6+7Fr85OQ84pFoxv1VFZ1nnFmciTQiFaxLBkk4FeUoiBmxDf6L+CDtpUMbjfwDnOXyaGh4AAA==&quot;"/>
-    <we:property name="datasetId" value="&quot;fa26264e-a8b9-41fb-9da0-13153281f383&quot;"/>
-    <we:property name="pageName" value="&quot;ReportSectionbd0ccd4fa7e531e06924&quot;"/>
-    <we:property name="reportUrl" value="&quot;/links/QsDH_K1Ujp?ctid=553313d5-e452-4417-a399-d792921997f9&amp;bookmarkGuid=e4bc3686-ce98-4f76-b747-a539445ba476&quot;"/>
-    <we:property name="reportName" value="&quot;Viz_odata_connection_14&quot;"/>
-    <we:property name="reportState" value="&quot;CONNECTED&quot;"/>
-    <we:property name="pageDisplayName" value="&quot;Analysis DB v2&quot;"/>
     <we:property name="backgroundColor" value="&quot;#F6F6F6&quot;"/>
-    <we:property name="initialStateBookmark" value="&quot;H4sIAAAAAAAAA+1ZW1PrNhD+Kxm/nJdMx5c4iXkLJLSU60koTKfDZGRpnfgcx/aRZSBl8t+7km3IPSYEwmnLC5a8Wu/l213t5kljfhIHZHxBRqAdaIdR9H1E+PeKpVW1MN+7vDw9b3VP+xet8w5uR7HwozDRDp40QfgAxI2fpCSQHHDzr7uqRoLgigzkyiNBAlUtBp5EIQn8vyEjxleCpzCpavAYBxEnkmVPEAGS7T2S4xq/bfwiBSFU+PfQAyqy3S7EERf52mU6pazmkQbYlgF63TFreMbzA4FsJDt33HmMOYr2VKh0rF5Sw2s6DcN2jUbTAqdmGp48KcaxpDlCYQYR9ykJntlJbjeFcGZVO+bRSPHNzZcgZScUvhjjogf83qfQ78KPfsSIIP3fSWg2kORafUGfoKluh8BBsTiKQuZnCiK/SMh/Um5IknzzJJzdS/JzQToKF6l7UcopdMF7WSgJJ2j0Kx6hS5SUCRo9TfoMEsp95VmkQMFuSJAqf+InznzUHc0gtZfbeOzL9WXlsFNpd8461532F3nmbiL/7jKfTglSSsCNVisjdlUbRg9HHNBzTDswlCxJhhIFhM24keBTAEVvCOKHOYIMRsBmtkERLbZed4nh6HJ/OchyALXYPQkpSjJvkNZgwGFACl93PsBaORmHH+hU0feZojhOwzyk7Hnj6ZPq0/JImNXlNx+RwelwfAb3ECyK/fx+FxpNMSvoKrlw48rLS0mai7NAtoCSf4uihYtVhltUUoWCHw6CPAG/ID1LRhoN0gSxDOyQ8KMh4UJmevcbxoqEN56OOAN+OFYIb/u8SMaYBTs/AbplSsvKCB78NpUTnoEh9frsTl6CZpl1q1rD8eya5VgNkzV13Wsww3E3Jqh1cH8XR7UGENJx5VcepfHaQPzJU+fGYGNRmIr/bJR9BLaysHANzzZtxij1LMOgrmN4/9ftdxQ3u2VuFdk7T71t2UzM59kjEkDICJ/Jqn9CvvEp7gXl5T7HO+pwm1of4MV2afbZQ4V8tZvyyCaeZzLXo3Xd9YhF9Gbd2z6y96/Vq31Icl16AQYmz4mm3amNAJtz+YCZMWvf0BJxFq0+JC/Wmn1a19+y6f5W6Vimmd1F38rmc02Bho2dqqkbjbOiP1U96p3sCoOitC4YJREY6aKnjN9TdHIXFJaWfkFOMrS8+V1dwo35Er5/0ElLUEKHwLKBSDubBZ0IGGU+wnojDULRPCcsKxujmHA/KYpIsTr1Qwlb+QVPvL6+PEu+6OCq1vUHQ7HC9IVzVU6YHWXJV1rmkSZejWuOUXOgZtl14pKabW2fLM6BJCmHHdfO60iQoNLNCn3la0qy8x9T35fZf+vq8txJZjJsWWh2p0BWMByoE0YcA3SHNQxm1JjeUOBep4qAR+FGj7PSS25mjeq2BbZbt8G1PZdBw9iIqOsovig/SkxdhAIaYz5t9IoX+Py1eNjtULLIem+fLi42rNVCLM+HALM6fu6yZM9TLvBWC7MyxKQQ6BzM0brybmYKU4barge77zLDXTYWQGGIG8AaLgWOPnJsW24cNzOlB90iHmk6HmA3Z9ZxQd23Tekfpp15SzjrH0aprJF4AeibulnTDUvf75j+Yd5wt61uu3/xx3mpK0+YBsHuJvIrLbRaxM/Uk66fi5boTPdc7zfWW/eNA9sP1k+afN21+N3Bucch1Yr5rSo6yzq3KBVJTChckRCWdCqIUxIyYBv6E/UjrLK8BI6fV4WyDc1k8g/pVrbVJR4AAA==&quot;"/>
-    <we:property name="isFooterCollapsed" value="true"/>
-    <we:property name="isFiltersActionButtonVisible" value="true"/>
-    <we:property name="isVisualContainerHeaderHidden" value="false"/>
-    <we:property name="reportEmbeddedTime" value="&quot;2024-02-05T04:20:41.372Z&quot;"/>
+    <we:property name="bookmark" value="&quot;H4sIAAAAAAAAA+1ZbVPjNhD+Kxl/uS+ZjmXHScw3IKGlBY4jFKbTYTJra534zrF9sgzkGP57V7IN5D2E8HJt+YIlr+RHu8/uajd3Bg+zNILxCYzQ2DH2kuTbCMS3mm3UjXhyzgHXdG0GpumZDlo2c7wWSSWpDJM4M3buDAligPIizHKI1IY0+fdV3YAoOoWBGgUQZVg3UhRZEkMU/sBCmF5JkeN93cDbNEoEqC17EiSqba9JnMYEhf2icIEvw2vsoS+L2TNMEyHLscdN3+eNAFro2AzNpms1aE0QRpK2Udt54+5tKgjaXXXCA/3SZ0HbbdGpWKtto9uwWKBWynGqZPYJzCARoQ/Rw3Zqt4sKnFU3DkQy0vuW2sxIshvLUI5p0ENxHfrYP8Pv/YSDhP7vEFtKg+f6C+Y9qepyiAL1FvtJzMPigLRfItU/hRuzrJw8jCfnsnJdlI/iWelekgsfzzB4HGiE96T0U5GQSTTKjJSeZ32OmS9CbVmSIGAXEOXanvSJo5DOTmpQp1fTtOzT+efaXrfW6R51z7udT2rN1b36uyps+gTIWgBXam0d2HVjmNzsCyTLcWOHaSxZwRJNhNW8UeTTBCVrSAjjkkGMAzrcYT6xxTGbHjDXVPPzSVYSaJdfQ+wTkmmF7A4GAgdQ2br7BtoqxQR+J6PKfsi1xEEely7lTCvPvK/fzfeEybP8FhIzhD8cH+E1RrOwH95v40RPNqvkaiW4ce3xpRIt4cyIzbDk33LQysQ6ws0eUrtCGA+iMgA/Mr0IRoYf5RlxGfkeiP0hCKkivfeVfEXRm1YngqPYG2uGd0JRBWOKgt2fgN0qpBVphBZ+fRITHoihzvXRjTyHzSrq1o2WGzgN27VbFm+bZtDizPVWBqhldH8VQ+0OMPbHtV9FkqdLHfEnD50rnY0ncS7/s172Ftwq3MJjgWM5nPt+YDPmey4L/s/brwi3uGVu5NlbD70dVUxMx9l9iDDmICai6l9YTnyIe8H6uI/pjjrcJNdHdLGdG33eIUM+20ylZ0MQWNwL/KbpBWCD2W4Gm3v2+5/q2TaE8iy9iBxTlEJPzWmMkIpz9UCRsSjfSBNp4a0hZo/amnxaVt/yp/WtPuM6xew26lY+HWsqNqysVC2TtY6q+lTXqFeqKoyq1DqjlEySp8ueVn5Py6lZ1Fya+wXVyTDK4ndxCmfTKfz9Sac04YM/RF40RDpFa+hQ4qiwEeUbpRCf1HPIi7QxSkGEWZVEqtEfYaxoq74QyOfnlwfkswauG2fhYCgXqL4yro4Jk50t9cooLNKmq3HDZQ0XG7bTBA8ajr15sDhGyHKBW86d54mEqHZWJPralxyK9W+T3+fpf+PsAiS7YXbZHuoiS7jYBA4uQ9PlLcZZg5stzehl+CXeSi+5nUSvdrMavunY6HhNBz0n8Di22EoanSfpyfr9w9wj+5MypmNFr3pBz1+qh+12IqtQ9/KW4myVWq9gBSFGFMrpc5/XLHTW87bFYBb6lQJBxqHAbGrrFqqwlH9tu5v7Ko3beb0AAgNehEt2qXj0lr3a9XpwE615NG0IoO0GSCWc1aSB772sNX/z1JiXIHh/L8lVYqSs37dMq2Ey23zf3vzNtOIud886/ZM/j9e658R5FG2vDb9QQ4shfqRCdHkzdI1y9J2T/Mok672wS/vG51MqX3YXfnVyvmNnamHTttm022Axuk+4DBzTtZziF6ilhk9hgCdwHQ5AJmL6jqK3nVcCJrnMUvDxFGKcU/IQ9yHmyFcUOvrXXG1NhSksM806C8rK6x8gl5GUfh4AAA==&quot;"/>
+    <we:property name="creatorSessionId" value="&quot;39cc81b9-3627-46f3-9fd6-9c346f0f994b&quot;"/>
     <we:property name="creatorTenantId" value="&quot;553313d5-e452-4417-a399-d792921997f9&quot;"/>
     <we:property name="creatorUserId" value="&quot;100320031955C680&quot;"/>
-    <we:property name="creatorSessionId" value="&quot;b11696de-6cbf-4a2d-91a9-20349a40b120&quot;"/>
+    <we:property name="datasetId" value="&quot;08880a14-e1b8-4144-8d2a-632ee54adb78&quot;"/>
+    <we:property name="embedUrl" value="&quot;/reportEmbed?reportId=1631a388-076d-4b21-9b3b-5692198f0c3f&amp;config=eyJjbHVzdGVyVXJsIjoiaHR0cHM6Ly9XQUJJLVdFU1QtVVMtRS1QUklNQVJZLXJlZGlyZWN0LmFuYWx5c2lzLndpbmRvd3MubmV0IiwiZW1iZWRGZWF0dXJlcyI6eyJ1c2FnZU1ldHJpY3NWTmV4dCI6dHJ1ZSwiZGlzYWJsZUFuZ3VsYXJKU0Jvb3RzdHJhcFJlcG9ydEVtYmVkIjp0cnVlfX0%3D&amp;disableSensitivityBanner=true&amp;lrtl=1&quot;"/>
+    <we:property name="initialStateBookmark" value="&quot;H4sIAAAAAAAAA+1ZW1PrNhD+Kxm/nJdMx7LjJOYtQGgp15NQmE6HyaytdeJzHNtHlgMpk//elS9A7gEC4bTlBUteyZ92v93Vbh407idxAONzGKK2p+1H0fchiO8VU6tqYTF3cXFy1uqc9M5bZ22ajmLpR2Gi7T1oEkQf5bWfpBCoHWjyr9uqBkFwCX018iBIsKrFKJIohMD/G3NheiVFipOqhvdxEAlQW3YlSFTbjkicxvRt9osCAq70R9hFV+azHYwjIYuxw3XX5TUPGmiZDPW6bdRojecHkrZR2znj9n0sCNpDeaSj7KXLvKbdYJbDGk0T7ZrBPLVSjmMlc0Bg+pHwXQget1O7XZfgjKp2JKJhtm+hvoQk26H05ZgGXRQj38VeB3/0Ig4Ser9DaDRI5Cr7gj4hVd0MUGC2xUEUcj8/IO0XSfVP4cYkKSaPw+m5pFgXpMNwXrobpcLFDnpPgwzhhJR+KSIySYYyIaWnSY9j4go/syxJELBrCNLMnvSJU5/OTmpQp1fTtOzL1UVlv105bJ+2r9qHX9Sa24n6u81t+gzIRgDXam0T2FVtEN0dCCTLcW2PZViSnCUZEdbzRpEvIyhZQ4IfFgxiHNDiFnOJLZZed4DZuppfTLKCQC0+gtAlJLMKafX7AvtQ2rr9AdoqxAT+IKPKns8ziaM0LFzKmlWePqk+LPaE6bP85hMzhDsYn+IIg3nYj++3caJnm5VylQLcuPL0UokWcObE5ljybzloaeIsws0fMnMFP+wHRQB+YnoejDQ3SBPiMvJ9EAcDEFJFeucb+YqiN62OBEexP84YfuiLMhhTFGz/BOxWIS1PI7Tw27OY8EgMda7PbuQFbFZRt6o1bM+qmbbZMHhT170GZ7azNkCtovu7GKrVx9AdV34VURqvdMSfPHSudTYehan8z3rZR3ArdwuHeZZhce66nsmY69jM+z9vvyPc/Jb5Ks/eeug9VMXEbJw9gABDDmIqqv6JxcSnuBdsjvuM7qiD1+T6gC62C6PPDjLki81UeDZ4nsEdz63rjgcm6M2693rP3v2pXmxDKM7SDcgxRSH03JzaEKk4Vw8UGfPyjTQR597qY/KkremnVfUtf17fZmfcpJjdRt3KZ2NNyYa1laqhs8ZpWZ9mNeqtqgqDMrXOKSWR5Omymym/m8mpWcy4tPALqpOhFcXv8hTOZlP47kmnNOGCO0CeN0QO817QscRhbiPKN0ohLqnnmOdpYxiD8JMyiZSjEz9UtFVf8OTL88sj8nkDV7WO3x/IJaovjZvFhOlWlnql5RZp0tW4ZrOajTXTqoMDNct8fbA4Q0hSgVvOnVeRhKDSyRN95WsK+fqPye+L9P/q7AIk+8rssj3UeZawsQ4cbIa6zRuMsxrXGxmjV+GXeC+d6H4avdrNqLm6ZaLl1C10LM/h2GBraXQVxeeb9w9Th+xPypiNFd3yBT1/LR+224ksQ93bW4rzVWq1hOX5GFAop89dbFjobOZty8Es9SsFgoxDgVnPrJurwlD+te1u7rs0bhf1AggMOAGu2KXk0Uf2ajfrwU215lE3wYOm7SGVcEadBq7zttb83XNj3oDgvf0oVYmRsn7P0I2azkx9t735u1nF3bQ6h73zP842uueEaRBsrw2/VEPLIX6mQnR1M3SDcnTHSX5tknXe2KX94PMpla+6C787OXfYmVratK3XzSYYjO4TNgNLtw0r/wVqpeFj6OM5jPw+yEjM3lGybReVgFEqkxhcvIQQF5Q8xH0IOfINC52qguQXiWbTwmgy+QdS1EhnbR4AAA==&quot;"/>
+    <we:property name="isFiltersActionButtonVisible" value="true"/>
+    <we:property name="isFooterCollapsed" value="true"/>
+    <we:property name="isVisualContainerHeaderHidden" value="false"/>
+    <we:property name="pageDisplayName" value="&quot;Detail&quot;"/>
+    <we:property name="pageName" value="&quot;ReportSectionbd0ccd4fa7e531e06924&quot;"/>
+    <we:property name="reportEmbeddedTime" value="&quot;2024-02-09T05:04:29.903Z&quot;"/>
+    <we:property name="reportName" value="&quot;311_Service_Request_Reports&quot;"/>
+    <we:property name="reportState" value="&quot;CONNECTED&quot;"/>
+    <we:property name="reportUrl" value="&quot;/links/MYd1nQCLlM?ctid=553313d5-e452-4417-a399-d792921997f9&amp;bookmarkGuid=68070050-327b-4302-a58c-4d7a445d72c3&quot;"/>
   </we:properties>
   <we:bindings/>
   <we:snapshot xmlns:r="http://schemas.openxmlformats.org/officeDocument/2006/relationships" r:embed="rId1"/>
@@ -14085,24 +14045,24 @@
     <we:reference id="WA200003233" version="2.0.0.3" store="" storeType="OMEX"/>
   </we:alternateReferences>
   <we:properties>
-    <we:property name="embedUrl" value="&quot;/reportEmbed?reportId=7b807b95-3aeb-4f79-b6f1-cebd33c57aa2&amp;config=eyJjbHVzdGVyVXJsIjoiaHR0cHM6Ly9XQUJJLVdFU1QtVVMtRS1QUklNQVJZLXJlZGlyZWN0LmFuYWx5c2lzLndpbmRvd3MubmV0IiwiZW1iZWRGZWF0dXJlcyI6eyJ1c2FnZU1ldHJpY3NWTmV4dCI6dHJ1ZSwiZGlzYWJsZUFuZ3VsYXJKU0Jvb3RzdHJhcFJlcG9ydEVtYmVkIjp0cnVlfX0%3D&amp;disableSensitivityBanner=true&amp;lrtl=1&quot;"/>
-    <we:property name="bookmark" value="&quot;H4sIAAAAAAAAA+1YbVPjNhD+Kxl/4UumY9lyYvMNkjClheOaMDCdDpORpXXiO8f2yTKQMvnvXckO5LXJAQ3XaWEYImklrfZ59lkpT5aIizxh009sAtaxdZplXydMfm24VtNKl/uYaPtAQxeEaLseiWwWhmiV5SrO0sI6frIUkyNQN3FRskQviJ1/WK6IKHNDx3ejtu+0wPUpse6aFkuSz2ykbSKWFNC0cpBFlrIk/hOqJXBIyRJmTQse8ySTTG80UEyB3uwezbGNDpKftLeMq/geBsBV1duHPJOqbru+y8PAsd2WTyOHQoBnwDlRnChcRi8XTnuPuUSHn+bnPjODnER+0CZeSNq+CwF1SERxpprm2qaDzowyGXOWPC+nV7uZO+c0rTOZTcy6dYwLtOylKlZTbAxA3scchn34NswEU2z4C0sd7du12cGeYahuxyDBLNHJUhFXB8T1MqX/ab+hKOrO83S5r6jnJeUkXbceZKXk0IfopWE8nGHQP8sMITFeFhj0shgKKLiMDd5ogY7dsKQ0KOMWFzGeHcOgT6+7cdrR9VXjtNfo9i56173ukZ5zN9M/dxWmC47s5eDOqO3jdtMaZw8dCYicsI6J8aWoWGKIsJs3mnyGoIiGYnFaM2gj0bF/D5JRyggEkQhDEolWFLVdYr+NZA+LJLtlUgxPszIVTMZQDB3boTZx7Y9l2cMqXLcn/e5evErLJHk/Mm2Nzmb3lvljV/yJ01FSq9YLParYWkzcs5SDGCRIWVkboW6GX5BjhhYTQN3UH0aQVmfFc+fVzjEULyRa/nQY/D8W6iNt2Wg/a4eB/E5nbDJX+rVYFQpzRQ0MJgNjp3vBZN7GTUwBsmoyzbSrvO17mI+c2EBZJFwAL9yey3WentRAW6t8PBmNJIzYPKK9AyhfbSbhG0ZXDWNhLM7KtA6at07k5tNmwTmAUPNsMhkaRXxFfhVjlsMly5dyyqAYCp/5fugAb0XMhVbL9oOdKL7f4d8oLM3dxLoEVpQS3hmN60yxpNGvqNP4rWTV/Fd5+I7U7yBJyjTWWT4Mp0MT3W0h7VxdXg47V93ebtq/kl/N+c3ZCHgmtOU4FgL0HQNHXSAOafPQCxzmcz/0qGe/XkF+jlGzJB9PL+AekvWIPY/vG8yuvkVrPxdmIvUT0GQ1A/VO1u9Qd/wbyp5YLHvmjIcqcWKVgnXcdpc45LB7ccD6hhhIAfJ0apbuxnK+EWluY9WHsU6HgjM+BlFdlLtVzp0rmFQgYWHTEeEYn3NRacokR7kt5gozb/0ap5q3eodIfb/4PHu+jnDT6sejsdoS+zm6RhSWH9t6yKoQ4TRwApeEbVv/uTalgXk7/G2GhfXD/BO7j1FiM7leAfFVASiPQDkJgbqcBL73/z3mH3f3tVcZnpQF4gLilMnOmEm1WnO2ZK6zmrk/JlI6m6uvaXDil4U3dw3UdH/dfSMydyY7Is7ahAK+1QmhTosT4tLt2bH0YvfweUAdoIH+DVvUb7Va/7mvhRav7Yd+tb/Dy+LHv2AfTjAOfNAPVIIl0hoZCKjLbB6ExHMocVngRZG/s/gqeFRh9rhacs2Cm+64WamKnHH4zFLYcKdD2rFUgPium9xs9hfknFeNwBcAAA==&quot;"/>
-    <we:property name="datasetId" value="&quot;fa26264e-a8b9-41fb-9da0-13153281f383&quot;"/>
-    <we:property name="pageName" value="&quot;ReportSection383cb9203684f24e9dd7&quot;"/>
-    <we:property name="reportUrl" value="&quot;/links/QsDH_K1Ujp?ctid=553313d5-e452-4417-a399-d792921997f9&amp;bookmarkGuid=479c58b7-a54f-4299-9986-967e99a0c1f6&quot;"/>
-    <we:property name="reportName" value="&quot;Viz_odata_connection_14&quot;"/>
-    <we:property name="reportState" value="&quot;CONNECTED&quot;"/>
-    <we:property name="pageDisplayName" value="&quot;MAP Dash&quot;"/>
     <we:property name="backgroundColor" value="&quot;#F6F6F6&quot;"/>
-    <we:property name="initialStateBookmark" value="&quot;H4sIAAAAAAAAA+1YbU/jOBD+Kyhf9kt0ihMnTfgGbdHdLYW9FoFOJxQ59qT1bpp0HafQQ/z3Gzvpbnm7VsDBnu6oEPV4Zvx45vF4zI0jZL0o2OqEzcHZdw6r6sucqS97geM6ZSc7Pf04Ohh/TE8ORkMUVwstq7J29m8czdQU9LmsG1YYDyj849J1WFF8YlMzyllRg+ssQNVVyQr5J7TKOKVVA7euA9eLolLMuJxopsG4XaI6jnFt8pMBwriWS5gA1610DItK6W4cxAHPEt8LopjmPoVEiB7a5LLQ6Ma4y1bD64VCaDfrLR3ZSU7yOOmRMCO9OICE+iSnaKlXC6PTRzDTSknOim/ujLfzNTjfdY5UNbd+u/DVqDkstdQrHExALSWHdAxf00owzdJfWekbbGd2Be8WQ3UxAwXWRb8qhWw3iP4qbf4Y3FDXnfCX8q6s7uyKZl4+1J5UjeIwhvz7wCK8xaB/UhWmxKKsMehNnQqouZI2s6iBwM5Z0dh84hLHEveOYTC7N2I0+3B2unc43BsMj4dnw8EHY3N5a34u25xuANkJ4Nao7QLbdWbVVV8BZk44+8RiqVuWWCJs540hnyUoZkMzWXYMCkROWZD5cZD3Yj+CIKbEyHcgGaWMQJKLLCO5iPK8FxDvZSS72iTZBVMiPayaUjAloU59z6ceCbz3ZdnV/XRdHIwHO/GqbIri9cj0ZHQeh3eXP17LH1lOi65qfadHG1uHiSUrOYhJgZRVnRJWyOwzcszSYg5YIc2XGop1/cKdL9q1JVilWiMD9MSuNLF6RgqWT49GyZZVpwvRrQHOe3GILOPEA8pyEQCE2dMM7dh30MF37kf5YDpVMGVrngzf4Dx3agq+Ij10KoXVOGrKLmjhw/S4N48fozcoP7yaz1N7zp/BmnrGFjBiiztMsVnMRMziOPOBRzkLIIq8ONmaxdfb/AuPi7udWCNgdaPglbNxVmlW7I1b6uz91rDW/lkIX5H6fSRJU0pzytNsldroPhXS/ulolPZPB8PttH8mv9x1q2fLUiWM5kwKAebmxNkAiE96PAsTn8U8zkIaes+vID9LrFmKz1bHsITiYcS+ze8azIHpDQ3ODUukfgGGrHaiW8n5HTrBv7KY44JKgDpcWdcDqdYLEfepEL5biFu8nCZ+EpCs55nfwKM0sc3R3wY76x4aJ2wp8bRV6mExxLYJ8KQA5SQDGnCSxOH/V9o/Dve5txovmhrzAuKQqf6MKX2//DzBa/8+r3/MTJnetX2HouHnjUdFl6jV7m3yCzNzaU9HzlmPUMDHCCHUjzghAd3xSRJip0h9oIn5ZBGNoyj6z717Nzu4t36WvEKT+eP3Wm9XMN54o+9YCe6Q1paBhAbM40lGQp+SgCVhnsdbL18N1zqrru9fudbhY+1O1eh6wTh8YiU80vEg7VgpTNZ363Ncg0ZmBWwxMP8h3Hjk/gXw4T+srBQAAA==&quot;"/>
-    <we:property name="isFooterCollapsed" value="false"/>
-    <we:property name="isFiltersActionButtonVisible" value="true"/>
-    <we:property name="isVisualContainerHeaderHidden" value="false"/>
-    <we:property name="reportEmbeddedTime" value="&quot;2024-02-05T04:26:03.840Z&quot;"/>
+    <we:property name="bookmark" value="&quot;H4sIAAAAAAAAA+1YbU/jOBD+Kyhf9kt1ihO3TfgGbdFxB8seRaDTCVUTe9JmN02yjgP0UP/7jZ0UCqXXLq8r3YFQsT0ej2eeeWbcW0cmZZHC7DNM0dl19vP82xTUtx3faTnZwznOQvDAC30ZyRCkkAgRSeWFTvKsdHZvHQ1qjPo8KStIjUKa/Ouy5UCafoGxGcWQlthyClRlnkGa/I21MC1pVeG85eBNkeYKjMqhBo1G7RWJ05hMYb8Yu0Do5AqHKHQ9e4pFrnQz9gNfRKHn+p2Axx7HUMou7YmTVJMaoy6aDW4KRabdLm54YBcFi4Owy9oR6wY+htxjMaedelYYmR4ZM85VIiC9U2e0nS+M81rOgcqnVm/jzZIkB5lO9IwGQ1RXicDRKX4f5RI0jH6DzDO2ndkT3Dm56mKCCq2KXp7JpL4g6cu1+TB2Y1k2k4fZw7my2ZdW02xVephXSuApxvcDa+GcnP5F5RQSa2VJTq/KkcRSqMRGliTIsHNIKxtPOuIoobuTG8ztzTRt+3R2srM/2OkPjgZng/4ns+dybn4u65guGbKVgRu9to3ZLWeSX/cUUuSks8usLWWNEguEzbgx4LMApWhoSLIGQb6MOfiRF/hxN/A66AecmfktQMY5MAxjGUUslp047vrMfRnIrpdBdgFKjvbzKpOgEixHnutxl/nux6Ls+nG4LvZO+1vhKqvS9PXAtNY7T5v3ED9ujZ8kG6cNa93Do/atA/IKMoFymBJkVSNEDBl9JYxZWEyRGNL8U2K64C+6eVGfnaAVKjUhQA/tSUMrZ2bR4ulJL1ladRoXzY3hohu0CWWCucghlj5iO1qP0AZ9e435zmMv743HCsewwMngHfK5EVP4neChR4m0EgdV1jitvRqe1u3TafQO9CPy6XRk8/wZqCknUOAxFA+QQpuaymxhk0sjOUmkRMNstBrJAIIg8lB0YvCx03GDcGOEX88xL0yl1mbQHSOUlcJXjtRZriHdOa1htfNHBfX+Z1n4imnRIwBVWWIYYBTNRta761zaOzk+HvVO+oPNKfFM7BlFPjKPdUXUDj0IRBC1edt9PoP8mhBnKTGZHeEVpqteuVvf1mF90xsaO5d2ErxTNIC0C81Jzp/YTLwdmY8xqyl5hcrvS/h2xVwuF3N7x20K92vUaPkYZo3fNtdowql/tCjStv5ctt6yvlEMlES1P7Oq+4laHMRa61D1YagzrhAgJijr9q9fc/qhxmkdJCpsxiOC/HMoa96YFkSp5YJFFqPfk8zg1pwQ6x8nmDvLVyPcck6T8USv8f0iupYUHj4WzZJTR0TwkB6GLOq65s93OQ9tR/yvGRY1D8vPcJUQjeZqlYWoV0aiQOSCRch9wcKg/X8f8+bmPreVEWlVUlxQ7oPqTUDpxz3Nmsz1Hmfuzxkpk831lw+08evSS7IJ1Gx73n1hZC5tdsQCuowjvUAZ415HMObzLd+hbXoecA95aH6jDg86nc5/7suO5bb9vd+ir/Cy+Pmb6PcjjHe+6AcywQPQWhoIuQ+uCCPW9jjzIWzHcbCx+Gq80VF+80TJ7fo+D8FloS9lB7lE2FzKCxjj2jJu1T7VN+eVLgsQ+AUyfKJPJChDJlH+UHc4n/8DdmHcQtQWAAA=&quot;"/>
+    <we:property name="creatorSessionId" value="&quot;7ea80779-9fc2-4cec-a609-b8c9bd1048ae&quot;"/>
     <we:property name="creatorTenantId" value="&quot;553313d5-e452-4417-a399-d792921997f9&quot;"/>
     <we:property name="creatorUserId" value="&quot;100320031955C680&quot;"/>
-    <we:property name="creatorSessionId" value="&quot;4f032831-2379-426b-9248-729760191697&quot;"/>
+    <we:property name="datasetId" value="&quot;08880a14-e1b8-4144-8d2a-632ee54adb78&quot;"/>
     <we:property name="design" value="{&quot;border&quot;:{&quot;isActive&quot;:false,&quot;color&quot;:&quot;#808080&quot;,&quot;width&quot;:1,&quot;transparency&quot;:0,&quot;dash&quot;:&quot;solid&quot;}}"/>
+    <we:property name="embedUrl" value="&quot;/reportEmbed?reportId=1631a388-076d-4b21-9b3b-5692198f0c3f&amp;config=eyJjbHVzdGVyVXJsIjoiaHR0cHM6Ly9XQUJJLVdFU1QtVVMtRS1QUklNQVJZLXJlZGlyZWN0LmFuYWx5c2lzLndpbmRvd3MubmV0IiwiZW1iZWRGZWF0dXJlcyI6eyJ1c2FnZU1ldHJpY3NWTmV4dCI6dHJ1ZSwiZGlzYWJsZUFuZ3VsYXJKU0Jvb3RzdHJhcFJlcG9ydEVtYmVkIjp0cnVlfX0%3D&amp;disableSensitivityBanner=true&amp;lrtl=1&quot;"/>
+    <we:property name="initialStateBookmark" value="&quot;H4sIAAAAAAAAA+1YUU/jOBD+Kygv+1Kd4sRtE96gLToOCnstAp1OqHLsSevdNMk6DtBD/PcbOykU2l57UGClO1aItT0ej2e++Wace0fIIk/Y7IxNwdl3DrPs+5Sp73u+03DSeu78/KR/MDgZnR30ezid5VpmaeHs3zuaqTHoS1mULDEacPLP64bDkuQrG5tRzJICGk4OqshSlsi/oBLGJa1KeGg4cJcnmWJG5VAzDUbtDYrjGM8mvxhDGNfyBobAdTU7gDxTuh77gc+j0HP9VkBjj0IoRBv3xDLRqMaoi2a9u1yhaffzKx3ZRU7iIGyTZkTagQ8h9UhMcaee5Uamg8aMMyU5Sx7VGW2Xc+O8hnOksqnVW7uvQMleqqWe4WAI6kZyGA3gxygTTLPRbyz1jG0X9gT3AV11NQEFVkUnS4WsLoj6Mm3+GLuhKOrJ4/T5XFHvS8ppuiw9zErFYQDx08Ba+IBO/6oyDIm1skCnl8VIQMGVtJFFCTTskiWljScecSrx7ugGc3szjdu+XJzvHfb2ur3T3kWv+8XsuX4wP9dVTBcM2crAjV7bxuyGM8luOwowcsLZJ9aWokKJBcJm3BjwWYBiNDSTaY0gX8SU+ZEX+HE78FrgB5SY+S1ARikjEMYiikgsWnHc9on7NpDdLoLsiikxOszKVDAloRh5rkdd4rufi7Lbl+G6Ohh0t8JVWibJ7sC01jurzXuOH7fCj0zHSc1aT/CofOswccNSDmKYIGRVLYQMGX1DjFlYTAEZ0vyngGTOX3jzvDpbghUqNCJAD+1JQytnZsHiaaWXLK06tYsejOG8HTQRZZy4QFksfIBmtB6hNfoOavOdl14+GI8VjNkcJ70PyOdaTMEPhIceSWEljsq0dlpzOTyN+9Vp9AH0w7PpdGTz/BWoKSYshz7LnyEFN9Wl2MImE0ZyIoUAw2y4GomABUHkAW/FzIdWyw3CjRHenWPemEqNzaDrAytKBTuO1EWmWbI3qGC193vJqv2vsnCHadFBAJWpNAwwimYj6911Lu2c9/ujznm3tzklXok9o8gH4pE2j5qhxwIeRE3adF/PIL9K5CzFJ7NTuIFk2SuP69s6rGt6Q2Pnwk6EdwIGkHahPsn5A+qJ9yPzMaQVJS9R+VMJ366Yi8Vibu+4TeHeRY0WL2FW+21zjUac+qfzIm3rz3XjPesbxkAJUIczq7or1fwg0liHqk9DnXEFZ3wComr/uhWnH2uYVkHCwmY8wtE/x6LijWmOlFrMWWQ+OpGpwa05Idb/nmAeLV+OcMMZyPFEr/H9PLqWFJ6/Ds2SU0WE09ALfRK1XfPru5SGtiP+xwyL6tflGbuRSKOZWmYh7JUBKRAoJxFQn5MwaP7fx7y7ua9tZXhSFhgXEIdMdSZM6Zc9zZrM9V5m7s8ZKZPN1ccH3Pht4SVZB2q2Pe++MTLXNjtiztqEAr5ACaFeixPi0y3foU18HlAPaGj+RS0atFqt/9zHjsW2/aPfojt4Wfz8TfTHEcYHX/QTmeAZaC0NhNRnLg8j0vQo8VnYjONgY/HVcKej7G5FyW37Pg2ZS0JfiBZQAWxzKc/ZGNaWcat2Vd+clbrIGYevLIUVfSJCmaUCxLbdYcPYJKMENmwwn5oXvpb8DRREYiP1FgAA&quot;"/>
+    <we:property name="isFiltersActionButtonVisible" value="true"/>
+    <we:property name="isFooterCollapsed" value="true"/>
+    <we:property name="isVisualContainerHeaderHidden" value="false"/>
+    <we:property name="pageDisplayName" value="&quot;Map&quot;"/>
+    <we:property name="pageName" value="&quot;ReportSection383cb9203684f24e9dd7&quot;"/>
+    <we:property name="reportEmbeddedTime" value="&quot;2024-02-09T05:06:52.259Z&quot;"/>
+    <we:property name="reportName" value="&quot;311_Service_Request_Reports&quot;"/>
+    <we:property name="reportState" value="&quot;CONNECTED&quot;"/>
+    <we:property name="reportUrl" value="&quot;/links/MYd1nQCLlM?ctid=553313d5-e452-4417-a399-d792921997f9&amp;bookmarkGuid=df33f75e-d461-45e9-aacb-93b77012b839&quot;"/>
   </we:properties>
   <we:bindings/>
   <we:snapshot xmlns:r="http://schemas.openxmlformats.org/officeDocument/2006/relationships" r:embed="rId1"/>
@@ -14110,25 +14070,6 @@
 </file>
 
 <file path=customXml/item1.xml><?xml version="1.0" encoding="utf-8"?>
-<p:properties xmlns:p="http://schemas.microsoft.com/office/2006/metadata/properties" xmlns:xsi="http://www.w3.org/2001/XMLSchema-instance" xmlns:pc="http://schemas.microsoft.com/office/infopath/2007/PartnerControls">
-  <documentManagement>
-    <Status xmlns="71af3243-3dd4-4a8d-8c0d-dd76da1f02a5">Not started</Status>
-    <_ip_UnifiedCompliancePolicyUIAction xmlns="http://schemas.microsoft.com/sharepoint/v3" xsi:nil="true"/>
-    <Image xmlns="71af3243-3dd4-4a8d-8c0d-dd76da1f02a5">
-      <Url xsi:nil="true"/>
-      <Description xsi:nil="true"/>
-    </Image>
-    <_ip_UnifiedCompliancePolicyProperties xmlns="http://schemas.microsoft.com/sharepoint/v3" xsi:nil="true"/>
-    <ImageTagsTaxHTField xmlns="71af3243-3dd4-4a8d-8c0d-dd76da1f02a5">
-      <Terms xmlns="http://schemas.microsoft.com/office/infopath/2007/PartnerControls"/>
-    </ImageTagsTaxHTField>
-    <TaxCatchAll xmlns="230e9df3-be65-4c73-a93b-d1236ebd677e"/>
-    <MediaServiceKeyPoints xmlns="71af3243-3dd4-4a8d-8c0d-dd76da1f02a5" xsi:nil="true"/>
-  </documentManagement>
-</p:properties>
-</file>
-
-<file path=customXml/item2.xml><?xml version="1.0" encoding="utf-8"?>
 <ct:contentTypeSchema xmlns:ct="http://schemas.microsoft.com/office/2006/metadata/contentType" xmlns:ma="http://schemas.microsoft.com/office/2006/metadata/properties/metaAttributes" ct:_="" ma:_="" ma:contentTypeName="Document" ma:contentTypeID="0x01010079F111ED35F8CC479449609E8A0923A6" ma:contentTypeVersion="20" ma:contentTypeDescription="Create a new document." ma:contentTypeScope="" ma:versionID="1267097ee5f5874adfcc408041ae252e">
   <xsd:schema xmlns:xsd="http://www.w3.org/2001/XMLSchema" xmlns:xs="http://www.w3.org/2001/XMLSchema" xmlns:p="http://schemas.microsoft.com/office/2006/metadata/properties" xmlns:ns1="http://schemas.microsoft.com/sharepoint/v3" xmlns:ns2="71af3243-3dd4-4a8d-8c0d-dd76da1f02a5" xmlns:ns3="16c05727-aa75-4e4a-9b5f-8a80a1165891" xmlns:ns4="230e9df3-be65-4c73-a93b-d1236ebd677e" targetNamespace="http://schemas.microsoft.com/office/2006/metadata/properties" ma:root="true" ma:fieldsID="395891a93df65b14727750f2c06c306c" ns1:_="" ns2:_="" ns3:_="" ns4:_="">
     <xsd:import namespace="http://schemas.microsoft.com/sharepoint/v3"/>
@@ -14404,6 +14345,25 @@
 </ct:contentTypeSchema>
 </file>
 
+<file path=customXml/item2.xml><?xml version="1.0" encoding="utf-8"?>
+<p:properties xmlns:p="http://schemas.microsoft.com/office/2006/metadata/properties" xmlns:xsi="http://www.w3.org/2001/XMLSchema-instance" xmlns:pc="http://schemas.microsoft.com/office/infopath/2007/PartnerControls">
+  <documentManagement>
+    <Status xmlns="71af3243-3dd4-4a8d-8c0d-dd76da1f02a5">Not started</Status>
+    <_ip_UnifiedCompliancePolicyUIAction xmlns="http://schemas.microsoft.com/sharepoint/v3" xsi:nil="true"/>
+    <Image xmlns="71af3243-3dd4-4a8d-8c0d-dd76da1f02a5">
+      <Url xsi:nil="true"/>
+      <Description xsi:nil="true"/>
+    </Image>
+    <_ip_UnifiedCompliancePolicyProperties xmlns="http://schemas.microsoft.com/sharepoint/v3" xsi:nil="true"/>
+    <ImageTagsTaxHTField xmlns="71af3243-3dd4-4a8d-8c0d-dd76da1f02a5">
+      <Terms xmlns="http://schemas.microsoft.com/office/infopath/2007/PartnerControls"/>
+    </ImageTagsTaxHTField>
+    <TaxCatchAll xmlns="230e9df3-be65-4c73-a93b-d1236ebd677e"/>
+    <MediaServiceKeyPoints xmlns="71af3243-3dd4-4a8d-8c0d-dd76da1f02a5" xsi:nil="true"/>
+  </documentManagement>
+</p:properties>
+</file>
+
 <file path=customXml/item3.xml><?xml version="1.0" encoding="utf-8"?>
 <?mso-contentType ?>
 <FormTemplates xmlns="http://schemas.microsoft.com/sharepoint/v3/contenttype/forms">
@@ -14414,18 +14374,6 @@
 </file>
 
 <file path=customXml/itemProps1.xml><?xml version="1.0" encoding="utf-8"?>
-<ds:datastoreItem xmlns:ds="http://schemas.openxmlformats.org/officeDocument/2006/customXml" ds:itemID="{6251B918-0091-4E96-9E28-42B87D9557A7}">
-  <ds:schemaRefs>
-    <ds:schemaRef ds:uri="http://schemas.microsoft.com/office/2006/metadata/properties"/>
-    <ds:schemaRef ds:uri="http://schemas.microsoft.com/office/infopath/2007/PartnerControls"/>
-    <ds:schemaRef ds:uri="71af3243-3dd4-4a8d-8c0d-dd76da1f02a5"/>
-    <ds:schemaRef ds:uri="http://schemas.microsoft.com/sharepoint/v3"/>
-    <ds:schemaRef ds:uri="230e9df3-be65-4c73-a93b-d1236ebd677e"/>
-  </ds:schemaRefs>
-</ds:datastoreItem>
-</file>
-
-<file path=customXml/itemProps2.xml><?xml version="1.0" encoding="utf-8"?>
 <ds:datastoreItem xmlns:ds="http://schemas.openxmlformats.org/officeDocument/2006/customXml" ds:itemID="{33878E47-D7B4-44CA-8507-24783F79A5A1}">
   <ds:schemaRefs>
     <ds:schemaRef ds:uri="http://schemas.microsoft.com/office/2006/metadata/contentType"/>
@@ -14446,6 +14394,18 @@
 </ds:datastoreItem>
 </file>
 
+<file path=customXml/itemProps2.xml><?xml version="1.0" encoding="utf-8"?>
+<ds:datastoreItem xmlns:ds="http://schemas.openxmlformats.org/officeDocument/2006/customXml" ds:itemID="{6251B918-0091-4E96-9E28-42B87D9557A7}">
+  <ds:schemaRefs>
+    <ds:schemaRef ds:uri="http://schemas.microsoft.com/office/2006/metadata/properties"/>
+    <ds:schemaRef ds:uri="http://schemas.microsoft.com/office/infopath/2007/PartnerControls"/>
+    <ds:schemaRef ds:uri="71af3243-3dd4-4a8d-8c0d-dd76da1f02a5"/>
+    <ds:schemaRef ds:uri="http://schemas.microsoft.com/sharepoint/v3"/>
+    <ds:schemaRef ds:uri="230e9df3-be65-4c73-a93b-d1236ebd677e"/>
+  </ds:schemaRefs>
+</ds:datastoreItem>
+</file>
+
 <file path=customXml/itemProps3.xml><?xml version="1.0" encoding="utf-8"?>
 <ds:datastoreItem xmlns:ds="http://schemas.openxmlformats.org/officeDocument/2006/customXml" ds:itemID="{AA0EFE35-5C2D-4EEC-93CA-7B3D4088735C}">
   <ds:schemaRefs>
